--- a/swig技术分享.pptx
+++ b/swig技术分享.pptx
@@ -5,18 +5,19 @@
     <p:sldMasterId id="2147483648" r:id="rId1"/>
   </p:sldMasterIdLst>
   <p:notesMasterIdLst>
-    <p:notesMasterId r:id="rId11"/>
+    <p:notesMasterId r:id="rId12"/>
   </p:notesMasterIdLst>
   <p:sldIdLst>
     <p:sldId id="256" r:id="rId2"/>
     <p:sldId id="257" r:id="rId3"/>
     <p:sldId id="262" r:id="rId4"/>
-    <p:sldId id="259" r:id="rId5"/>
-    <p:sldId id="261" r:id="rId6"/>
-    <p:sldId id="258" r:id="rId7"/>
-    <p:sldId id="260" r:id="rId8"/>
-    <p:sldId id="263" r:id="rId9"/>
-    <p:sldId id="264" r:id="rId10"/>
+    <p:sldId id="265" r:id="rId5"/>
+    <p:sldId id="259" r:id="rId6"/>
+    <p:sldId id="261" r:id="rId7"/>
+    <p:sldId id="258" r:id="rId8"/>
+    <p:sldId id="260" r:id="rId9"/>
+    <p:sldId id="263" r:id="rId10"/>
+    <p:sldId id="264" r:id="rId11"/>
   </p:sldIdLst>
   <p:sldSz cx="12192000" cy="6858000"/>
   <p:notesSz cx="6858000" cy="9144000"/>
@@ -227,7 +228,7 @@
           <a:p>
             <a:fld id="{2D758A17-921F-5545-8E0B-F310BEF2C112}" type="datetimeFigureOut">
               <a:rPr kumimoji="1" lang="zh-CN" altLang="en-US" smtClean="0"/>
-              <a:t>2017/8/23</a:t>
+              <a:t>2017/8/24</a:t>
             </a:fld>
             <a:endParaRPr kumimoji="1" lang="zh-CN" altLang="en-US"/>
           </a:p>
@@ -560,7 +561,7 @@
           <a:p>
             <a:fld id="{381B35E4-C00A-E64B-9539-62A518D42517}" type="slidenum">
               <a:rPr kumimoji="1" lang="zh-CN" altLang="en-US" smtClean="0"/>
-              <a:t>5</a:t>
+              <a:t>6</a:t>
             </a:fld>
             <a:endParaRPr kumimoji="1" lang="zh-CN" altLang="en-US"/>
           </a:p>
@@ -644,7 +645,7 @@
           <a:p>
             <a:fld id="{381B35E4-C00A-E64B-9539-62A518D42517}" type="slidenum">
               <a:rPr kumimoji="1" lang="zh-CN" altLang="en-US" smtClean="0"/>
-              <a:t>7</a:t>
+              <a:t>8</a:t>
             </a:fld>
             <a:endParaRPr kumimoji="1" lang="zh-CN" altLang="en-US"/>
           </a:p>
@@ -937,7 +938,7 @@
           <a:p>
             <a:fld id="{78ABE3C1-DBE1-495D-B57B-2849774B866A}" type="datetimeFigureOut">
               <a:rPr lang="en-US" dirty="0"/>
-              <a:t>8/23/17</a:t>
+              <a:t>8/24/17</a:t>
             </a:fld>
             <a:endParaRPr lang="en-US" dirty="0"/>
           </a:p>
@@ -1346,7 +1347,7 @@
           <a:p>
             <a:fld id="{446C117F-5CCF-4837-BE5F-2B92066CAFAF}" type="datetimeFigureOut">
               <a:rPr lang="en-US" dirty="0"/>
-              <a:t>8/23/17</a:t>
+              <a:t>8/24/17</a:t>
             </a:fld>
             <a:endParaRPr lang="en-US" dirty="0"/>
           </a:p>
@@ -1677,7 +1678,7 @@
           <a:p>
             <a:fld id="{84EB90BD-B6CE-46B7-997F-7313B992CCDC}" type="datetimeFigureOut">
               <a:rPr lang="en-US" dirty="0"/>
-              <a:t>8/23/17</a:t>
+              <a:t>8/24/17</a:t>
             </a:fld>
             <a:endParaRPr lang="en-US" dirty="0"/>
           </a:p>
@@ -2077,7 +2078,7 @@
           <a:p>
             <a:fld id="{CDB9D11F-B188-461D-B23F-39381795C052}" type="datetimeFigureOut">
               <a:rPr lang="en-US" dirty="0"/>
-              <a:t>8/23/17</a:t>
+              <a:t>8/24/17</a:t>
             </a:fld>
             <a:endParaRPr lang="en-US" dirty="0"/>
           </a:p>
@@ -2640,7 +2641,7 @@
           <a:p>
             <a:fld id="{52E6D8D9-55A2-4063-B0F3-121F44549695}" type="datetimeFigureOut">
               <a:rPr lang="en-US" dirty="0"/>
-              <a:t>8/23/17</a:t>
+              <a:t>8/24/17</a:t>
             </a:fld>
             <a:endParaRPr lang="en-US" dirty="0"/>
           </a:p>
@@ -3316,7 +3317,7 @@
           <a:p>
             <a:fld id="{D4B24536-994D-4021-A283-9F449C0DB509}" type="datetimeFigureOut">
               <a:rPr lang="en-US" dirty="0"/>
-              <a:t>8/23/17</a:t>
+              <a:t>8/24/17</a:t>
             </a:fld>
             <a:endParaRPr lang="en-US" dirty="0"/>
           </a:p>
@@ -4224,7 +4225,7 @@
           <a:p>
             <a:fld id="{3CBBBB78-C96F-47B7-AB17-D852CA960AC9}" type="datetimeFigureOut">
               <a:rPr lang="en-US" dirty="0"/>
-              <a:t>8/23/17</a:t>
+              <a:t>8/24/17</a:t>
             </a:fld>
             <a:endParaRPr lang="en-US" dirty="0"/>
           </a:p>
@@ -4532,7 +4533,7 @@
           <a:p>
             <a:fld id="{1FA3F48C-C7C6-4055-9F49-3777875E72AE}" type="datetimeFigureOut">
               <a:rPr lang="en-US" dirty="0"/>
-              <a:t>8/23/17</a:t>
+              <a:t>8/24/17</a:t>
             </a:fld>
             <a:endParaRPr lang="en-US" dirty="0"/>
           </a:p>
@@ -4791,7 +4792,7 @@
           <a:p>
             <a:fld id="{6178E61D-D431-422C-9764-11DAFE33AB63}" type="datetimeFigureOut">
               <a:rPr lang="en-US" dirty="0"/>
-              <a:t>8/23/17</a:t>
+              <a:t>8/24/17</a:t>
             </a:fld>
             <a:endParaRPr lang="en-US" dirty="0"/>
           </a:p>
@@ -5110,7 +5111,7 @@
           <a:p>
             <a:fld id="{12DE42F4-6EEF-4EF7-8ED4-2208F0F89A08}" type="datetimeFigureOut">
               <a:rPr lang="en-US" dirty="0"/>
-              <a:t>8/23/17</a:t>
+              <a:t>8/24/17</a:t>
             </a:fld>
             <a:endParaRPr lang="en-US" dirty="0"/>
           </a:p>
@@ -5494,7 +5495,7 @@
           <a:p>
             <a:fld id="{30578ACC-22D6-47C1-A373-4FD133E34F3C}" type="datetimeFigureOut">
               <a:rPr lang="en-US" dirty="0"/>
-              <a:t>8/23/17</a:t>
+              <a:t>8/24/17</a:t>
             </a:fld>
             <a:endParaRPr lang="en-US" dirty="0"/>
           </a:p>
@@ -5865,7 +5866,7 @@
           <a:p>
             <a:fld id="{4E5A6C69-6797-4E8A-BF37-F2C3751466E9}" type="datetimeFigureOut">
               <a:rPr lang="en-US" dirty="0"/>
-              <a:t>8/23/17</a:t>
+              <a:t>8/24/17</a:t>
             </a:fld>
             <a:endParaRPr lang="en-US" dirty="0"/>
           </a:p>
@@ -6366,7 +6367,7 @@
           <a:p>
             <a:fld id="{D82014A1-A632-4878-A0D3-F52BA7563730}" type="datetimeFigureOut">
               <a:rPr lang="en-US" dirty="0"/>
-              <a:t>8/23/17</a:t>
+              <a:t>8/24/17</a:t>
             </a:fld>
             <a:endParaRPr lang="en-US" dirty="0"/>
           </a:p>
@@ -6618,7 +6619,7 @@
           <a:p>
             <a:fld id="{CE99F462-093F-4566-844B-4C71F2739DA5}" type="datetimeFigureOut">
               <a:rPr lang="en-US" dirty="0"/>
-              <a:t>8/23/17</a:t>
+              <a:t>8/24/17</a:t>
             </a:fld>
             <a:endParaRPr lang="en-US" dirty="0"/>
           </a:p>
@@ -6776,7 +6777,7 @@
           <a:p>
             <a:fld id="{3D24A7AC-904D-4781-85BA-7D10C17ED021}" type="datetimeFigureOut">
               <a:rPr lang="en-US" dirty="0"/>
-              <a:t>8/23/17</a:t>
+              <a:t>8/24/17</a:t>
             </a:fld>
             <a:endParaRPr lang="en-US" dirty="0"/>
           </a:p>
@@ -7161,7 +7162,7 @@
           <a:p>
             <a:fld id="{E331444B-B92B-4E27-8C94-BB93EAF5CB18}" type="datetimeFigureOut">
               <a:rPr lang="en-US" dirty="0"/>
-              <a:t>8/23/17</a:t>
+              <a:t>8/24/17</a:t>
             </a:fld>
             <a:endParaRPr lang="en-US" dirty="0"/>
           </a:p>
@@ -7565,7 +7566,7 @@
           <a:p>
             <a:fld id="{363EFA5E-FA76-400D-B3DC-F0BA90E6D107}" type="datetimeFigureOut">
               <a:rPr lang="en-US" dirty="0"/>
-              <a:t>8/23/17</a:t>
+              <a:t>8/24/17</a:t>
             </a:fld>
             <a:endParaRPr lang="en-US" dirty="0"/>
           </a:p>
@@ -7804,7 +7805,7 @@
           <a:p>
             <a:fld id="{9D6E9DEC-419B-4CC5-A080-3B06BD5A8291}" type="datetimeFigureOut">
               <a:rPr lang="en-US" dirty="0"/>
-              <a:t>8/23/17</a:t>
+              <a:t>8/24/17</a:t>
             </a:fld>
             <a:endParaRPr lang="en-US" dirty="0"/>
           </a:p>
@@ -8297,6 +8298,106 @@
 </p:sld>
 </file>
 
+<file path=ppt/slides/slide10.xml><?xml version="1.0" encoding="utf-8"?>
+<p:sld xmlns:a="http://schemas.openxmlformats.org/drawingml/2006/main" xmlns:r="http://schemas.openxmlformats.org/officeDocument/2006/relationships" xmlns:p="http://schemas.openxmlformats.org/presentationml/2006/main">
+  <p:cSld>
+    <p:spTree>
+      <p:nvGrpSpPr>
+        <p:cNvPr id="1" name=""/>
+        <p:cNvGrpSpPr/>
+        <p:nvPr/>
+      </p:nvGrpSpPr>
+      <p:grpSpPr>
+        <a:xfrm>
+          <a:off x="0" y="0"/>
+          <a:ext cx="0" cy="0"/>
+          <a:chOff x="0" y="0"/>
+          <a:chExt cx="0" cy="0"/>
+        </a:xfrm>
+      </p:grpSpPr>
+      <p:sp>
+        <p:nvSpPr>
+          <p:cNvPr id="2" name="标题 1"/>
+          <p:cNvSpPr>
+            <a:spLocks noGrp="1"/>
+          </p:cNvSpPr>
+          <p:nvPr>
+            <p:ph type="title"/>
+          </p:nvPr>
+        </p:nvSpPr>
+        <p:spPr/>
+        <p:txBody>
+          <a:bodyPr/>
+          <a:lstStyle/>
+          <a:p>
+            <a:r>
+              <a:rPr kumimoji="1" lang="en-US" altLang="zh-CN" dirty="0" smtClean="0"/>
+              <a:t>Demo</a:t>
+            </a:r>
+            <a:r>
+              <a:rPr kumimoji="1" lang="zh-CN" altLang="en-US" dirty="0" smtClean="0"/>
+              <a:t> </a:t>
+            </a:r>
+            <a:r>
+              <a:rPr kumimoji="1" lang="en-US" altLang="zh-CN" dirty="0" smtClean="0"/>
+              <a:t>code</a:t>
+            </a:r>
+            <a:endParaRPr kumimoji="1" lang="zh-CN" altLang="en-US" dirty="0"/>
+          </a:p>
+        </p:txBody>
+      </p:sp>
+      <p:sp>
+        <p:nvSpPr>
+          <p:cNvPr id="3" name="内容占位符 2"/>
+          <p:cNvSpPr>
+            <a:spLocks noGrp="1"/>
+          </p:cNvSpPr>
+          <p:nvPr>
+            <p:ph idx="1"/>
+          </p:nvPr>
+        </p:nvSpPr>
+        <p:spPr/>
+        <p:txBody>
+          <a:bodyPr/>
+          <a:lstStyle/>
+          <a:p>
+            <a:r>
+              <a:rPr kumimoji="1" lang="en-US" altLang="zh-CN" dirty="0"/>
+              <a:t>https://</a:t>
+            </a:r>
+            <a:r>
+              <a:rPr kumimoji="1" lang="en-US" altLang="zh-CN" dirty="0" err="1"/>
+              <a:t>github.com</a:t>
+            </a:r>
+            <a:r>
+              <a:rPr kumimoji="1" lang="en-US" altLang="zh-CN" dirty="0"/>
+              <a:t>/</a:t>
+            </a:r>
+            <a:r>
+              <a:rPr kumimoji="1" lang="en-US" altLang="zh-CN" dirty="0" err="1"/>
+              <a:t>zhangpengyf</a:t>
+            </a:r>
+            <a:r>
+              <a:rPr kumimoji="1" lang="en-US" altLang="zh-CN" dirty="0"/>
+              <a:t>/swig-demo</a:t>
+            </a:r>
+            <a:endParaRPr kumimoji="1" lang="zh-CN" altLang="en-US" dirty="0"/>
+          </a:p>
+        </p:txBody>
+      </p:sp>
+    </p:spTree>
+    <p:extLst>
+      <p:ext uri="{BB962C8B-B14F-4D97-AF65-F5344CB8AC3E}">
+        <p14:creationId xmlns:p14="http://schemas.microsoft.com/office/powerpoint/2010/main" val="1315228141"/>
+      </p:ext>
+    </p:extLst>
+  </p:cSld>
+  <p:clrMapOvr>
+    <a:masterClrMapping/>
+  </p:clrMapOvr>
+</p:sld>
+</file>
+
 <file path=ppt/slides/slide2.xml><?xml version="1.0" encoding="utf-8"?>
 <p:sld xmlns:a="http://schemas.openxmlformats.org/drawingml/2006/main" xmlns:r="http://schemas.openxmlformats.org/officeDocument/2006/relationships" xmlns:p="http://schemas.openxmlformats.org/presentationml/2006/main">
   <p:cSld>
@@ -8489,8 +8590,8 @@
           </a:p>
           <a:p>
             <a:r>
-              <a:rPr lang="en-US" altLang="zh-CN" dirty="0" err="1"/>
-              <a:t>avascript</a:t>
+              <a:rPr lang="en-US" altLang="zh-CN" dirty="0" err="1" smtClean="0"/>
+              <a:t>javascript</a:t>
             </a:r>
             <a:r>
               <a:rPr lang="en-US" altLang="zh-CN" dirty="0"/>
@@ -8592,15 +8693,15 @@
           <a:p>
             <a:r>
               <a:rPr kumimoji="1" lang="en-US" altLang="zh-CN" dirty="0" smtClean="0"/>
-              <a:t>C++</a:t>
+              <a:t>SWIG</a:t>
             </a:r>
             <a:r>
               <a:rPr kumimoji="1" lang="zh-CN" altLang="en-US" dirty="0" smtClean="0"/>
-              <a:t>生成</a:t>
+              <a:t>的优点</a:t>
             </a:r>
             <a:r>
               <a:rPr kumimoji="1" lang="en-US" altLang="zh-CN" dirty="0" smtClean="0"/>
-              <a:t>Objective-C</a:t>
+              <a:t>	</a:t>
             </a:r>
             <a:endParaRPr kumimoji="1" lang="zh-CN" altLang="en-US" dirty="0"/>
           </a:p>
@@ -8621,13 +8722,28 @@
           <a:bodyPr/>
           <a:lstStyle/>
           <a:p>
-            <a:r>
-              <a:rPr kumimoji="1" lang="en-US" altLang="zh-CN" dirty="0" smtClean="0"/>
-              <a:t>SWIG</a:t>
-            </a:r>
+            <a:pPr>
+              <a:lnSpc>
+                <a:spcPct val="100000"/>
+              </a:lnSpc>
+              <a:spcBef>
+                <a:spcPts val="0"/>
+              </a:spcBef>
+            </a:pPr>
+            <a:endParaRPr kumimoji="1" lang="en-US" altLang="zh-CN" dirty="0" smtClean="0"/>
+          </a:p>
+          <a:p>
+            <a:pPr>
+              <a:lnSpc>
+                <a:spcPct val="100000"/>
+              </a:lnSpc>
+              <a:spcBef>
+                <a:spcPts val="0"/>
+              </a:spcBef>
+            </a:pPr>
             <a:r>
               <a:rPr kumimoji="1" lang="zh-CN" altLang="en-US" dirty="0" smtClean="0"/>
-              <a:t>会为每一个</a:t>
+              <a:t>节省工作量，只需要维护</a:t>
             </a:r>
             <a:r>
               <a:rPr kumimoji="1" lang="en-US" altLang="zh-CN" dirty="0" err="1" smtClean="0"/>
@@ -8635,15 +8751,94 @@
             </a:r>
             <a:r>
               <a:rPr kumimoji="1" lang="zh-CN" altLang="en-US" dirty="0" smtClean="0"/>
-              <a:t>类和接口生成同名的</a:t>
-            </a:r>
+              <a:t>头文件，其他语言自动生成</a:t>
+            </a:r>
+            <a:endParaRPr kumimoji="1" lang="en-US" altLang="zh-CN" dirty="0" smtClean="0"/>
+          </a:p>
+          <a:p>
+            <a:pPr>
+              <a:lnSpc>
+                <a:spcPct val="100000"/>
+              </a:lnSpc>
+              <a:spcBef>
+                <a:spcPts val="0"/>
+              </a:spcBef>
+            </a:pPr>
+            <a:endParaRPr kumimoji="1" lang="en-US" altLang="zh-CN" dirty="0" smtClean="0"/>
+          </a:p>
+          <a:p>
+            <a:pPr>
+              <a:lnSpc>
+                <a:spcPct val="100000"/>
+              </a:lnSpc>
+              <a:spcBef>
+                <a:spcPts val="0"/>
+              </a:spcBef>
+            </a:pPr>
+            <a:endParaRPr kumimoji="1" lang="en-US" altLang="zh-CN" dirty="0" smtClean="0"/>
+          </a:p>
+          <a:p>
+            <a:pPr>
+              <a:lnSpc>
+                <a:spcPct val="100000"/>
+              </a:lnSpc>
+              <a:spcBef>
+                <a:spcPts val="0"/>
+              </a:spcBef>
+            </a:pPr>
             <a:r>
               <a:rPr kumimoji="1" lang="en-US" altLang="zh-CN" dirty="0" smtClean="0"/>
-              <a:t>objective-c</a:t>
+              <a:t>C++</a:t>
             </a:r>
             <a:r>
               <a:rPr kumimoji="1" lang="zh-CN" altLang="en-US" dirty="0" smtClean="0"/>
-              <a:t>类和接口</a:t>
+              <a:t>回调上去直接是其他语言的对象，不需要通过</a:t>
+            </a:r>
+            <a:r>
+              <a:rPr kumimoji="1" lang="en-US" altLang="zh-CN" dirty="0" err="1" smtClean="0"/>
+              <a:t>json</a:t>
+            </a:r>
+            <a:r>
+              <a:rPr kumimoji="1" lang="zh-CN" altLang="en-US" dirty="0" smtClean="0"/>
+              <a:t>传递参数</a:t>
+            </a:r>
+            <a:endParaRPr kumimoji="1" lang="en-US" altLang="zh-CN" dirty="0" smtClean="0"/>
+          </a:p>
+          <a:p>
+            <a:pPr>
+              <a:lnSpc>
+                <a:spcPct val="100000"/>
+              </a:lnSpc>
+              <a:spcBef>
+                <a:spcPts val="0"/>
+              </a:spcBef>
+            </a:pPr>
+            <a:endParaRPr kumimoji="1" lang="en-US" altLang="zh-CN" dirty="0"/>
+          </a:p>
+          <a:p>
+            <a:pPr>
+              <a:lnSpc>
+                <a:spcPct val="100000"/>
+              </a:lnSpc>
+              <a:spcBef>
+                <a:spcPts val="0"/>
+              </a:spcBef>
+            </a:pPr>
+            <a:r>
+              <a:rPr kumimoji="1" lang="en-US" altLang="zh-CN" dirty="0" smtClean="0"/>
+              <a:t>Java</a:t>
+            </a:r>
+            <a:r>
+              <a:rPr kumimoji="1" lang="zh-CN" altLang="en-US" dirty="0" smtClean="0"/>
+              <a:t>不需要维护</a:t>
+            </a:r>
+            <a:r>
+              <a:rPr kumimoji="1" lang="en-US" altLang="zh-CN" dirty="0" err="1" smtClean="0"/>
+              <a:t>jni</a:t>
+            </a:r>
+            <a:r>
+              <a:rPr kumimoji="1" lang="zh-CN" altLang="en-US" dirty="0" smtClean="0"/>
+              <a:t>代码</a:t>
             </a:r>
             <a:endParaRPr kumimoji="1" lang="en-US" altLang="zh-CN" dirty="0" smtClean="0"/>
           </a:p>
@@ -8652,7 +8847,7 @@
     </p:spTree>
     <p:extLst>
       <p:ext uri="{BB962C8B-B14F-4D97-AF65-F5344CB8AC3E}">
-        <p14:creationId xmlns:p14="http://schemas.microsoft.com/office/powerpoint/2010/main" val="1293299329"/>
+        <p14:creationId xmlns:p14="http://schemas.microsoft.com/office/powerpoint/2010/main" val="432534361"/>
       </p:ext>
     </p:extLst>
   </p:cSld>
@@ -8695,16 +8890,16 @@
           <a:lstStyle/>
           <a:p>
             <a:r>
+              <a:rPr kumimoji="1" lang="en-US" altLang="zh-CN" dirty="0" smtClean="0"/>
+              <a:t>C++</a:t>
+            </a:r>
+            <a:r>
               <a:rPr kumimoji="1" lang="zh-CN" altLang="en-US" dirty="0" smtClean="0"/>
-              <a:t>演示如何生成</a:t>
-            </a:r>
-            <a:r>
-              <a:rPr kumimoji="1" lang="en-US" altLang="zh-CN" dirty="0" err="1" smtClean="0"/>
-              <a:t>obj</a:t>
+              <a:t>生成</a:t>
             </a:r>
             <a:r>
               <a:rPr kumimoji="1" lang="en-US" altLang="zh-CN" dirty="0" smtClean="0"/>
-              <a:t>-c</a:t>
+              <a:t>Objective-C</a:t>
             </a:r>
             <a:endParaRPr kumimoji="1" lang="zh-CN" altLang="en-US" dirty="0"/>
           </a:p>
@@ -8726,59 +8921,37 @@
           <a:lstStyle/>
           <a:p>
             <a:r>
+              <a:rPr kumimoji="1" lang="en-US" altLang="zh-CN" dirty="0" smtClean="0"/>
+              <a:t>SWIG</a:t>
+            </a:r>
+            <a:r>
               <a:rPr kumimoji="1" lang="zh-CN" altLang="en-US" dirty="0" smtClean="0"/>
-              <a:t>编写</a:t>
+              <a:t>会为每一个</a:t>
             </a:r>
             <a:r>
               <a:rPr kumimoji="1" lang="en-US" altLang="zh-CN" dirty="0" err="1" smtClean="0"/>
-              <a:t>swig_objc.i</a:t>
+              <a:t>c++</a:t>
             </a:r>
             <a:r>
               <a:rPr kumimoji="1" lang="zh-CN" altLang="en-US" dirty="0" smtClean="0"/>
-              <a:t> 配置文件</a:t>
+              <a:t>类和接口生成同名的</a:t>
+            </a:r>
+            <a:r>
+              <a:rPr kumimoji="1" lang="en-US" altLang="zh-CN" dirty="0" smtClean="0"/>
+              <a:t>objective-c</a:t>
+            </a:r>
+            <a:r>
+              <a:rPr kumimoji="1" lang="zh-CN" altLang="en-US" dirty="0" smtClean="0"/>
+              <a:t>类和接口</a:t>
             </a:r>
             <a:endParaRPr kumimoji="1" lang="en-US" altLang="zh-CN" dirty="0" smtClean="0"/>
-          </a:p>
-          <a:p>
-            <a:r>
-              <a:rPr kumimoji="1" lang="zh-CN" altLang="en-US" dirty="0" smtClean="0"/>
-              <a:t>使用以下命令生成：</a:t>
-            </a:r>
-            <a:endParaRPr kumimoji="1" lang="en-US" altLang="zh-CN" dirty="0" smtClean="0"/>
-          </a:p>
-          <a:p>
-            <a:r>
-              <a:rPr kumimoji="1" lang="en-US" altLang="zh-CN" dirty="0"/>
-              <a:t>swig -</a:t>
-            </a:r>
-            <a:r>
-              <a:rPr kumimoji="1" lang="en-US" altLang="zh-CN" dirty="0" err="1"/>
-              <a:t>c++</a:t>
-            </a:r>
-            <a:r>
-              <a:rPr kumimoji="1" lang="en-US" altLang="zh-CN" dirty="0"/>
-              <a:t> -</a:t>
-            </a:r>
-            <a:r>
-              <a:rPr kumimoji="1" lang="en-US" altLang="zh-CN" dirty="0" err="1"/>
-              <a:t>objc</a:t>
-            </a:r>
-            <a:r>
-              <a:rPr kumimoji="1" lang="en-US" altLang="zh-CN" dirty="0"/>
-              <a:t> </a:t>
-            </a:r>
-            <a:r>
-              <a:rPr kumimoji="1" lang="en-US" altLang="zh-CN" dirty="0" err="1"/>
-              <a:t>swig_objc.i</a:t>
-            </a:r>
-            <a:endParaRPr kumimoji="1" lang="zh-CN" altLang="en-US" dirty="0"/>
           </a:p>
         </p:txBody>
       </p:sp>
     </p:spTree>
     <p:extLst>
       <p:ext uri="{BB962C8B-B14F-4D97-AF65-F5344CB8AC3E}">
-        <p14:creationId xmlns:p14="http://schemas.microsoft.com/office/powerpoint/2010/main" val="1496128777"/>
+        <p14:creationId xmlns:p14="http://schemas.microsoft.com/office/powerpoint/2010/main" val="1293299329"/>
       </p:ext>
     </p:extLst>
   </p:cSld>
@@ -8821,16 +8994,16 @@
           <a:lstStyle/>
           <a:p>
             <a:r>
+              <a:rPr kumimoji="1" lang="zh-CN" altLang="en-US" dirty="0" smtClean="0"/>
+              <a:t>演示如何生成</a:t>
+            </a:r>
+            <a:r>
+              <a:rPr kumimoji="1" lang="en-US" altLang="zh-CN" dirty="0" err="1" smtClean="0"/>
+              <a:t>obj</a:t>
+            </a:r>
+            <a:r>
               <a:rPr kumimoji="1" lang="en-US" altLang="zh-CN" dirty="0" smtClean="0"/>
-              <a:t>C++</a:t>
-            </a:r>
-            <a:r>
-              <a:rPr kumimoji="1" lang="zh-CN" altLang="en-US" dirty="0" smtClean="0"/>
-              <a:t>生成</a:t>
-            </a:r>
-            <a:r>
-              <a:rPr kumimoji="1" lang="en-US" altLang="zh-CN" dirty="0" smtClean="0"/>
-              <a:t>java</a:t>
+              <a:t>-c</a:t>
             </a:r>
             <a:endParaRPr kumimoji="1" lang="zh-CN" altLang="en-US" dirty="0"/>
           </a:p>
@@ -8852,103 +9025,59 @@
           <a:lstStyle/>
           <a:p>
             <a:r>
-              <a:rPr kumimoji="1" lang="en-US" altLang="zh-CN" dirty="0" smtClean="0"/>
-              <a:t>SWIG</a:t>
-            </a:r>
-            <a:r>
               <a:rPr kumimoji="1" lang="zh-CN" altLang="en-US" dirty="0" smtClean="0"/>
-              <a:t>将会生成</a:t>
+              <a:t>编写</a:t>
             </a:r>
             <a:r>
               <a:rPr kumimoji="1" lang="en-US" altLang="zh-CN" dirty="0" err="1" smtClean="0"/>
+              <a:t>swig_objc.i</a:t>
+            </a:r>
+            <a:r>
+              <a:rPr kumimoji="1" lang="zh-CN" altLang="en-US" dirty="0" smtClean="0"/>
+              <a:t> 配置文件</a:t>
+            </a:r>
+            <a:endParaRPr kumimoji="1" lang="en-US" altLang="zh-CN" dirty="0" smtClean="0"/>
+          </a:p>
+          <a:p>
+            <a:r>
+              <a:rPr kumimoji="1" lang="zh-CN" altLang="en-US" dirty="0" smtClean="0"/>
+              <a:t>使用以下命令生成：</a:t>
+            </a:r>
+            <a:endParaRPr kumimoji="1" lang="en-US" altLang="zh-CN" dirty="0" smtClean="0"/>
+          </a:p>
+          <a:p>
+            <a:r>
+              <a:rPr kumimoji="1" lang="en-US" altLang="zh-CN" dirty="0"/>
+              <a:t>swig -</a:t>
+            </a:r>
+            <a:r>
+              <a:rPr kumimoji="1" lang="en-US" altLang="zh-CN" dirty="0" err="1"/>
               <a:t>c++</a:t>
             </a:r>
             <a:r>
-              <a:rPr kumimoji="1" lang="zh-CN" altLang="en-US" dirty="0" smtClean="0"/>
-              <a:t>和</a:t>
-            </a:r>
-            <a:r>
-              <a:rPr kumimoji="1" lang="en-US" altLang="zh-CN" dirty="0" smtClean="0"/>
-              <a:t>java</a:t>
-            </a:r>
-            <a:r>
-              <a:rPr kumimoji="1" lang="zh-CN" altLang="en-US" dirty="0" smtClean="0"/>
-              <a:t>互相调用的</a:t>
-            </a:r>
-            <a:r>
-              <a:rPr kumimoji="1" lang="en-US" altLang="zh-CN" dirty="0" err="1" smtClean="0"/>
-              <a:t>jni</a:t>
-            </a:r>
-            <a:r>
-              <a:rPr kumimoji="1" lang="zh-CN" altLang="en-US" dirty="0" smtClean="0"/>
-              <a:t>代码</a:t>
-            </a:r>
-            <a:endParaRPr kumimoji="1" lang="en-US" altLang="zh-CN" dirty="0" smtClean="0"/>
-          </a:p>
-          <a:p>
-            <a:r>
-              <a:rPr kumimoji="1" lang="zh-CN" altLang="en-US" dirty="0" smtClean="0"/>
-              <a:t>并且将所有</a:t>
-            </a:r>
-            <a:r>
-              <a:rPr kumimoji="1" lang="en-US" altLang="zh-CN" dirty="0" err="1" smtClean="0"/>
-              <a:t>c++</a:t>
-            </a:r>
-            <a:r>
-              <a:rPr kumimoji="1" lang="zh-CN" altLang="en-US" dirty="0" smtClean="0"/>
-              <a:t>中的类，生成同名的</a:t>
-            </a:r>
-            <a:r>
-              <a:rPr kumimoji="1" lang="en-US" altLang="zh-CN" dirty="0" smtClean="0"/>
-              <a:t>java</a:t>
-            </a:r>
-            <a:r>
-              <a:rPr kumimoji="1" lang="zh-CN" altLang="en-US" dirty="0" smtClean="0"/>
-              <a:t>类</a:t>
-            </a:r>
-            <a:endParaRPr kumimoji="1" lang="en-US" altLang="zh-CN" dirty="0" smtClean="0"/>
-          </a:p>
-          <a:p>
-            <a:r>
-              <a:rPr kumimoji="1" lang="zh-CN" altLang="en-US" dirty="0" smtClean="0"/>
-              <a:t>通过</a:t>
-            </a:r>
-            <a:r>
-              <a:rPr kumimoji="1" lang="en-US" altLang="zh-CN" dirty="0" err="1" smtClean="0"/>
-              <a:t>ndk</a:t>
-            </a:r>
-            <a:r>
-              <a:rPr kumimoji="1" lang="en-US" altLang="zh-CN" dirty="0" smtClean="0"/>
-              <a:t>-build</a:t>
-            </a:r>
-            <a:r>
-              <a:rPr kumimoji="1" lang="zh-CN" altLang="en-US" dirty="0" smtClean="0"/>
-              <a:t>可以编译为</a:t>
-            </a:r>
-            <a:r>
-              <a:rPr kumimoji="1" lang="en-US" altLang="zh-CN" dirty="0" smtClean="0"/>
-              <a:t>android</a:t>
-            </a:r>
-            <a:r>
-              <a:rPr kumimoji="1" lang="zh-CN" altLang="en-US" dirty="0" smtClean="0"/>
+              <a:rPr kumimoji="1" lang="en-US" altLang="zh-CN" dirty="0"/>
+              <a:t> -</a:t>
+            </a:r>
+            <a:r>
+              <a:rPr kumimoji="1" lang="en-US" altLang="zh-CN" dirty="0" err="1"/>
+              <a:t>objc</a:t>
+            </a:r>
+            <a:r>
+              <a:rPr kumimoji="1" lang="en-US" altLang="zh-CN" dirty="0"/>
               <a:t> </a:t>
             </a:r>
             <a:r>
-              <a:rPr kumimoji="1" lang="en-US" altLang="zh-CN" dirty="0" smtClean="0"/>
-              <a:t>so</a:t>
-            </a:r>
-            <a:r>
-              <a:rPr kumimoji="1" lang="zh-CN" altLang="en-US" dirty="0" smtClean="0"/>
-              <a:t>文件</a:t>
-            </a:r>
-            <a:endParaRPr kumimoji="1" lang="en-US" altLang="zh-CN" dirty="0" smtClean="0"/>
+              <a:rPr kumimoji="1" lang="en-US" altLang="zh-CN" dirty="0" err="1"/>
+              <a:t>swig_objc.i</a:t>
+            </a:r>
+            <a:endParaRPr kumimoji="1" lang="zh-CN" altLang="en-US" dirty="0"/>
           </a:p>
         </p:txBody>
       </p:sp>
     </p:spTree>
     <p:extLst>
       <p:ext uri="{BB962C8B-B14F-4D97-AF65-F5344CB8AC3E}">
-        <p14:creationId xmlns:p14="http://schemas.microsoft.com/office/powerpoint/2010/main" val="786387331"/>
+        <p14:creationId xmlns:p14="http://schemas.microsoft.com/office/powerpoint/2010/main" val="1496128777"/>
       </p:ext>
     </p:extLst>
   </p:cSld>
@@ -8992,7 +9121,7 @@
           <a:p>
             <a:r>
               <a:rPr kumimoji="1" lang="en-US" altLang="zh-CN" dirty="0" smtClean="0"/>
-              <a:t>SWIG</a:t>
+              <a:t>C++</a:t>
             </a:r>
             <a:r>
               <a:rPr kumimoji="1" lang="zh-CN" altLang="en-US" dirty="0" smtClean="0"/>
@@ -9002,10 +9131,6 @@
               <a:rPr kumimoji="1" lang="en-US" altLang="zh-CN" dirty="0" smtClean="0"/>
               <a:t>java</a:t>
             </a:r>
-            <a:r>
-              <a:rPr kumimoji="1" lang="zh-CN" altLang="en-US" dirty="0" smtClean="0"/>
-              <a:t>演示</a:t>
-            </a:r>
             <a:endParaRPr kumimoji="1" lang="zh-CN" altLang="en-US" dirty="0"/>
           </a:p>
         </p:txBody>
@@ -9020,130 +9145,92 @@
             <p:ph idx="1"/>
           </p:nvPr>
         </p:nvSpPr>
-        <p:spPr>
-          <a:xfrm>
-            <a:off x="680321" y="2336873"/>
-            <a:ext cx="10472588" cy="3599316"/>
-          </a:xfrm>
-        </p:spPr>
+        <p:spPr/>
         <p:txBody>
           <a:bodyPr/>
           <a:lstStyle/>
           <a:p>
             <a:r>
+              <a:rPr kumimoji="1" lang="en-US" altLang="zh-CN" dirty="0" smtClean="0"/>
+              <a:t>SWIG</a:t>
+            </a:r>
+            <a:r>
               <a:rPr kumimoji="1" lang="zh-CN" altLang="en-US" dirty="0" smtClean="0"/>
-              <a:t>编写</a:t>
+              <a:t>将会生成</a:t>
             </a:r>
             <a:r>
               <a:rPr kumimoji="1" lang="en-US" altLang="zh-CN" dirty="0" err="1" smtClean="0"/>
-              <a:t>swig_java.i</a:t>
+              <a:t>c++</a:t>
             </a:r>
             <a:r>
               <a:rPr kumimoji="1" lang="zh-CN" altLang="en-US" dirty="0" smtClean="0"/>
-              <a:t> 配置文件</a:t>
+              <a:t>和</a:t>
+            </a:r>
+            <a:r>
+              <a:rPr kumimoji="1" lang="en-US" altLang="zh-CN" dirty="0" smtClean="0"/>
+              <a:t>java</a:t>
+            </a:r>
+            <a:r>
+              <a:rPr kumimoji="1" lang="zh-CN" altLang="en-US" dirty="0" smtClean="0"/>
+              <a:t>互相调用的</a:t>
+            </a:r>
+            <a:r>
+              <a:rPr kumimoji="1" lang="en-US" altLang="zh-CN" dirty="0" err="1" smtClean="0"/>
+              <a:t>jni</a:t>
+            </a:r>
+            <a:r>
+              <a:rPr kumimoji="1" lang="zh-CN" altLang="en-US" dirty="0" smtClean="0"/>
+              <a:t>代码</a:t>
             </a:r>
             <a:endParaRPr kumimoji="1" lang="en-US" altLang="zh-CN" dirty="0" smtClean="0"/>
           </a:p>
           <a:p>
             <a:r>
               <a:rPr kumimoji="1" lang="zh-CN" altLang="en-US" dirty="0" smtClean="0"/>
-              <a:t>使用以下命令生成</a:t>
+              <a:t>并且将所有</a:t>
+            </a:r>
+            <a:r>
+              <a:rPr kumimoji="1" lang="en-US" altLang="zh-CN" dirty="0" err="1" smtClean="0"/>
+              <a:t>c++</a:t>
+            </a:r>
+            <a:r>
+              <a:rPr kumimoji="1" lang="zh-CN" altLang="en-US" dirty="0" smtClean="0"/>
+              <a:t>中的类，生成同名的</a:t>
+            </a:r>
+            <a:r>
+              <a:rPr kumimoji="1" lang="en-US" altLang="zh-CN" dirty="0" smtClean="0"/>
+              <a:t>java</a:t>
+            </a:r>
+            <a:r>
+              <a:rPr kumimoji="1" lang="zh-CN" altLang="en-US" dirty="0" smtClean="0"/>
+              <a:t>类</a:t>
             </a:r>
             <a:endParaRPr kumimoji="1" lang="en-US" altLang="zh-CN" dirty="0" smtClean="0"/>
           </a:p>
           <a:p>
             <a:r>
-              <a:rPr kumimoji="1" lang="en-US" altLang="zh-CN" dirty="0"/>
-              <a:t>swig -</a:t>
-            </a:r>
-            <a:r>
-              <a:rPr kumimoji="1" lang="en-US" altLang="zh-CN" dirty="0" err="1"/>
-              <a:t>c++</a:t>
-            </a:r>
-            <a:r>
-              <a:rPr kumimoji="1" lang="en-US" altLang="zh-CN" dirty="0"/>
-              <a:t> -java -package </a:t>
-            </a:r>
-            <a:r>
-              <a:rPr kumimoji="1" lang="en-US" altLang="zh-CN" dirty="0" err="1"/>
-              <a:t>com.fenbi.truman</a:t>
-            </a:r>
-            <a:r>
-              <a:rPr kumimoji="1" lang="en-US" altLang="zh-CN" dirty="0"/>
-              <a:t> </a:t>
-            </a:r>
-            <a:r>
-              <a:rPr kumimoji="1" lang="en-US" altLang="zh-CN" dirty="0" smtClean="0"/>
-              <a:t>-</a:t>
-            </a:r>
-            <a:r>
-              <a:rPr kumimoji="1" lang="en-US" altLang="zh-CN" dirty="0" err="1" smtClean="0"/>
-              <a:t>outdir</a:t>
-            </a:r>
-            <a:r>
-              <a:rPr kumimoji="1" lang="en-US" altLang="zh-CN" dirty="0" smtClean="0"/>
-              <a:t> </a:t>
-            </a:r>
-            <a:r>
-              <a:rPr kumimoji="1" lang="en-US" altLang="zh-CN" dirty="0"/>
-              <a:t>./com/</a:t>
-            </a:r>
-            <a:r>
-              <a:rPr kumimoji="1" lang="en-US" altLang="zh-CN" dirty="0" err="1"/>
-              <a:t>fenbi</a:t>
-            </a:r>
-            <a:r>
-              <a:rPr kumimoji="1" lang="en-US" altLang="zh-CN" dirty="0"/>
-              <a:t>/</a:t>
-            </a:r>
-            <a:r>
-              <a:rPr kumimoji="1" lang="en-US" altLang="zh-CN" dirty="0" err="1"/>
-              <a:t>truman</a:t>
-            </a:r>
-            <a:r>
-              <a:rPr kumimoji="1" lang="en-US" altLang="zh-CN" dirty="0"/>
-              <a:t>/ </a:t>
-            </a:r>
-            <a:r>
-              <a:rPr kumimoji="1" lang="en-US" altLang="zh-CN" dirty="0" err="1" smtClean="0"/>
-              <a:t>swig_java.i</a:t>
-            </a:r>
-            <a:endParaRPr kumimoji="1" lang="en-US" altLang="zh-CN" dirty="0" smtClean="0"/>
-          </a:p>
-          <a:p>
-            <a:endParaRPr kumimoji="1" lang="en-US" altLang="zh-CN" dirty="0"/>
-          </a:p>
-          <a:p>
-            <a:r>
               <a:rPr kumimoji="1" lang="zh-CN" altLang="en-US" dirty="0" smtClean="0"/>
-              <a:t>使用</a:t>
+              <a:t>通过</a:t>
             </a:r>
             <a:r>
               <a:rPr kumimoji="1" lang="en-US" altLang="zh-CN" dirty="0" err="1" smtClean="0"/>
               <a:t>ndk</a:t>
             </a:r>
             <a:r>
+              <a:rPr kumimoji="1" lang="en-US" altLang="zh-CN" dirty="0" smtClean="0"/>
+              <a:t>-build</a:t>
+            </a:r>
+            <a:r>
               <a:rPr kumimoji="1" lang="zh-CN" altLang="en-US" dirty="0" smtClean="0"/>
-              <a:t>编译为动态库</a:t>
-            </a:r>
-            <a:r>
-              <a:rPr kumimoji="1" lang="en-US" altLang="zh-CN" dirty="0" err="1" smtClean="0"/>
-              <a:t>libtruman.so</a:t>
-            </a:r>
-            <a:endParaRPr kumimoji="1" lang="en-US" altLang="zh-CN" dirty="0" smtClean="0"/>
-          </a:p>
-          <a:p>
+              <a:t>可以编译为</a:t>
+            </a:r>
+            <a:r>
+              <a:rPr kumimoji="1" lang="en-US" altLang="zh-CN" dirty="0" smtClean="0"/>
+              <a:t>android</a:t>
+            </a:r>
             <a:r>
               <a:rPr kumimoji="1" lang="zh-CN" altLang="en-US" dirty="0" smtClean="0"/>
-              <a:t>使用</a:t>
-            </a:r>
-            <a:r>
-              <a:rPr kumimoji="1" lang="en-US" altLang="zh-CN" dirty="0" smtClean="0"/>
-              <a:t>java</a:t>
-            </a:r>
-            <a:r>
-              <a:rPr kumimoji="1" lang="zh-CN" altLang="en-US" dirty="0" smtClean="0"/>
-              <a:t>类和</a:t>
+              <a:t> </a:t>
             </a:r>
             <a:r>
               <a:rPr kumimoji="1" lang="en-US" altLang="zh-CN" dirty="0" smtClean="0"/>
@@ -9151,20 +9238,16 @@
             </a:r>
             <a:r>
               <a:rPr kumimoji="1" lang="zh-CN" altLang="en-US" dirty="0" smtClean="0"/>
-              <a:t>库开发</a:t>
-            </a:r>
-            <a:r>
-              <a:rPr kumimoji="1" lang="en-US" altLang="zh-CN" smtClean="0"/>
-              <a:t>app</a:t>
-            </a:r>
-            <a:endParaRPr kumimoji="1" lang="zh-CN" altLang="en-US" dirty="0"/>
+              <a:t>文件</a:t>
+            </a:r>
+            <a:endParaRPr kumimoji="1" lang="en-US" altLang="zh-CN" dirty="0" smtClean="0"/>
           </a:p>
         </p:txBody>
       </p:sp>
     </p:spTree>
     <p:extLst>
       <p:ext uri="{BB962C8B-B14F-4D97-AF65-F5344CB8AC3E}">
-        <p14:creationId xmlns:p14="http://schemas.microsoft.com/office/powerpoint/2010/main" val="751240058"/>
+        <p14:creationId xmlns:p14="http://schemas.microsoft.com/office/powerpoint/2010/main" val="786387331"/>
       </p:ext>
     </p:extLst>
   </p:cSld>
@@ -9207,157 +9290,180 @@
           <a:lstStyle/>
           <a:p>
             <a:r>
+              <a:rPr kumimoji="1" lang="en-US" altLang="zh-CN" dirty="0" smtClean="0"/>
+              <a:t>SWIG</a:t>
+            </a:r>
+            <a:r>
               <a:rPr kumimoji="1" lang="zh-CN" altLang="en-US" dirty="0" smtClean="0"/>
               <a:t>生成</a:t>
             </a:r>
             <a:r>
+              <a:rPr kumimoji="1" lang="en-US" altLang="zh-CN" dirty="0" smtClean="0"/>
+              <a:t>java</a:t>
+            </a:r>
+            <a:r>
+              <a:rPr kumimoji="1" lang="zh-CN" altLang="en-US" dirty="0" smtClean="0"/>
+              <a:t>演示</a:t>
+            </a:r>
+            <a:endParaRPr kumimoji="1" lang="zh-CN" altLang="en-US" dirty="0"/>
+          </a:p>
+        </p:txBody>
+      </p:sp>
+      <p:sp>
+        <p:nvSpPr>
+          <p:cNvPr id="3" name="内容占位符 2"/>
+          <p:cNvSpPr>
+            <a:spLocks noGrp="1"/>
+          </p:cNvSpPr>
+          <p:nvPr>
+            <p:ph idx="1"/>
+          </p:nvPr>
+        </p:nvSpPr>
+        <p:spPr>
+          <a:xfrm>
+            <a:off x="680321" y="2336873"/>
+            <a:ext cx="10472588" cy="3599316"/>
+          </a:xfrm>
+        </p:spPr>
+        <p:txBody>
+          <a:bodyPr/>
+          <a:lstStyle/>
+          <a:p>
+            <a:r>
+              <a:rPr kumimoji="1" lang="zh-CN" altLang="en-US" dirty="0" smtClean="0"/>
+              <a:t>编写</a:t>
+            </a:r>
+            <a:r>
               <a:rPr kumimoji="1" lang="en-US" altLang="zh-CN" dirty="0" err="1" smtClean="0"/>
-              <a:t>javascript</a:t>
+              <a:t>swig_java.i</a:t>
+            </a:r>
+            <a:r>
+              <a:rPr kumimoji="1" lang="zh-CN" altLang="en-US" dirty="0" smtClean="0"/>
+              <a:t> 配置文件</a:t>
+            </a:r>
+            <a:endParaRPr kumimoji="1" lang="en-US" altLang="zh-CN" dirty="0" smtClean="0"/>
+          </a:p>
+          <a:p>
+            <a:r>
+              <a:rPr kumimoji="1" lang="zh-CN" altLang="en-US" dirty="0" smtClean="0"/>
+              <a:t>使用以下命令生成</a:t>
+            </a:r>
+            <a:endParaRPr kumimoji="1" lang="en-US" altLang="zh-CN" dirty="0" smtClean="0"/>
+          </a:p>
+          <a:p>
+            <a:r>
+              <a:rPr kumimoji="1" lang="en-US" altLang="zh-CN" dirty="0"/>
+              <a:t>swig -</a:t>
+            </a:r>
+            <a:r>
+              <a:rPr kumimoji="1" lang="en-US" altLang="zh-CN" dirty="0" err="1"/>
+              <a:t>c++</a:t>
+            </a:r>
+            <a:r>
+              <a:rPr kumimoji="1" lang="en-US" altLang="zh-CN" dirty="0"/>
+              <a:t> -java -package </a:t>
+            </a:r>
+            <a:r>
+              <a:rPr kumimoji="1" lang="en-US" altLang="zh-CN" dirty="0" err="1"/>
+              <a:t>com.fenbi.truman</a:t>
+            </a:r>
+            <a:r>
+              <a:rPr kumimoji="1" lang="en-US" altLang="zh-CN" dirty="0"/>
+              <a:t> </a:t>
+            </a:r>
+            <a:r>
+              <a:rPr kumimoji="1" lang="en-US" altLang="zh-CN" dirty="0" smtClean="0"/>
+              <a:t>-</a:t>
+            </a:r>
+            <a:r>
+              <a:rPr kumimoji="1" lang="en-US" altLang="zh-CN" dirty="0" err="1" smtClean="0"/>
+              <a:t>outdir</a:t>
+            </a:r>
+            <a:r>
+              <a:rPr kumimoji="1" lang="en-US" altLang="zh-CN" dirty="0" smtClean="0"/>
+              <a:t> </a:t>
+            </a:r>
+            <a:r>
+              <a:rPr kumimoji="1" lang="en-US" altLang="zh-CN" dirty="0"/>
+              <a:t>./com/</a:t>
+            </a:r>
+            <a:r>
+              <a:rPr kumimoji="1" lang="en-US" altLang="zh-CN" dirty="0" err="1"/>
+              <a:t>fenbi</a:t>
+            </a:r>
+            <a:r>
+              <a:rPr kumimoji="1" lang="en-US" altLang="zh-CN" dirty="0"/>
+              <a:t>/</a:t>
+            </a:r>
+            <a:r>
+              <a:rPr kumimoji="1" lang="en-US" altLang="zh-CN" dirty="0" err="1"/>
+              <a:t>truman</a:t>
+            </a:r>
+            <a:r>
+              <a:rPr kumimoji="1" lang="en-US" altLang="zh-CN" dirty="0"/>
+              <a:t>/ </a:t>
+            </a:r>
+            <a:r>
+              <a:rPr kumimoji="1" lang="en-US" altLang="zh-CN" dirty="0" err="1" smtClean="0"/>
+              <a:t>swig_java.i</a:t>
+            </a:r>
+            <a:endParaRPr kumimoji="1" lang="en-US" altLang="zh-CN" dirty="0" smtClean="0"/>
+          </a:p>
+          <a:p>
+            <a:endParaRPr kumimoji="1" lang="en-US" altLang="zh-CN" dirty="0"/>
+          </a:p>
+          <a:p>
+            <a:r>
+              <a:rPr kumimoji="1" lang="zh-CN" altLang="en-US" dirty="0" smtClean="0"/>
+              <a:t>使用</a:t>
+            </a:r>
+            <a:r>
+              <a:rPr kumimoji="1" lang="en-US" altLang="zh-CN" dirty="0" err="1" smtClean="0"/>
+              <a:t>ndk</a:t>
+            </a:r>
+            <a:r>
+              <a:rPr kumimoji="1" lang="zh-CN" altLang="en-US" dirty="0" smtClean="0"/>
+              <a:t>编译为动态库</a:t>
+            </a:r>
+            <a:r>
+              <a:rPr kumimoji="1" lang="en-US" altLang="zh-CN" dirty="0" err="1" smtClean="0"/>
+              <a:t>libtruman.so</a:t>
+            </a:r>
+            <a:endParaRPr kumimoji="1" lang="en-US" altLang="zh-CN" dirty="0" smtClean="0"/>
+          </a:p>
+          <a:p>
+            <a:r>
+              <a:rPr kumimoji="1" lang="zh-CN" altLang="en-US" dirty="0" smtClean="0"/>
+              <a:t>使用</a:t>
+            </a:r>
+            <a:r>
+              <a:rPr kumimoji="1" lang="en-US" altLang="zh-CN" dirty="0" smtClean="0"/>
+              <a:t>java</a:t>
+            </a:r>
+            <a:r>
+              <a:rPr kumimoji="1" lang="zh-CN" altLang="en-US" dirty="0" smtClean="0"/>
+              <a:t>类和</a:t>
+            </a:r>
+            <a:r>
+              <a:rPr kumimoji="1" lang="en-US" altLang="zh-CN" dirty="0" smtClean="0"/>
+              <a:t>so</a:t>
+            </a:r>
+            <a:r>
+              <a:rPr kumimoji="1" lang="zh-CN" altLang="en-US" dirty="0" smtClean="0"/>
+              <a:t>库开发</a:t>
+            </a:r>
+            <a:r>
+              <a:rPr kumimoji="1" lang="en-US" altLang="zh-CN" smtClean="0"/>
+              <a:t>app</a:t>
             </a:r>
             <a:endParaRPr kumimoji="1" lang="zh-CN" altLang="en-US" dirty="0"/>
-          </a:p>
-        </p:txBody>
-      </p:sp>
-      <p:sp>
-        <p:nvSpPr>
-          <p:cNvPr id="3" name="内容占位符 2"/>
-          <p:cNvSpPr>
-            <a:spLocks noGrp="1"/>
-          </p:cNvSpPr>
-          <p:nvPr>
-            <p:ph idx="1"/>
-          </p:nvPr>
-        </p:nvSpPr>
-        <p:spPr/>
-        <p:txBody>
-          <a:bodyPr>
-            <a:normAutofit/>
-          </a:bodyPr>
-          <a:lstStyle/>
-          <a:p>
-            <a:r>
-              <a:rPr kumimoji="1" lang="zh-CN" altLang="en-US" dirty="0" smtClean="0"/>
-              <a:t>官方说支持</a:t>
-            </a:r>
-            <a:r>
-              <a:rPr kumimoji="1" lang="en-US" altLang="zh-CN" dirty="0" err="1" smtClean="0"/>
-              <a:t>c++</a:t>
-            </a:r>
-            <a:r>
-              <a:rPr kumimoji="1" lang="zh-CN" altLang="en-US" dirty="0" smtClean="0"/>
-              <a:t>成成</a:t>
-            </a:r>
-            <a:r>
-              <a:rPr kumimoji="1" lang="en-US" altLang="zh-CN" dirty="0" err="1" smtClean="0"/>
-              <a:t>javascript</a:t>
-            </a:r>
-            <a:endParaRPr kumimoji="1" lang="en-US" altLang="zh-CN" dirty="0" smtClean="0"/>
-          </a:p>
-          <a:p>
-            <a:r>
-              <a:rPr kumimoji="1" lang="zh-CN" altLang="en-US" dirty="0" smtClean="0"/>
-              <a:t>可以将</a:t>
-            </a:r>
-            <a:r>
-              <a:rPr kumimoji="1" lang="en-US" altLang="zh-CN" dirty="0" err="1" smtClean="0"/>
-              <a:t>c++</a:t>
-            </a:r>
-            <a:r>
-              <a:rPr kumimoji="1" lang="zh-CN" altLang="en-US" dirty="0" smtClean="0"/>
-              <a:t>库编译为</a:t>
-            </a:r>
-            <a:r>
-              <a:rPr kumimoji="1" lang="en-US" altLang="zh-CN" dirty="0" err="1" smtClean="0"/>
-              <a:t>node.js</a:t>
-            </a:r>
-            <a:r>
-              <a:rPr kumimoji="1" lang="zh-CN" altLang="en-US" dirty="0" smtClean="0"/>
-              <a:t>的</a:t>
-            </a:r>
-            <a:r>
-              <a:rPr kumimoji="1" lang="en-US" altLang="zh-CN" dirty="0" smtClean="0"/>
-              <a:t>module</a:t>
-            </a:r>
-          </a:p>
-          <a:p>
-            <a:r>
-              <a:rPr kumimoji="1" lang="zh-CN" altLang="en-US" dirty="0" smtClean="0"/>
-              <a:t>通过以下方法调用：</a:t>
-            </a:r>
-            <a:endParaRPr kumimoji="1" lang="en-US" altLang="zh-CN" dirty="0" smtClean="0"/>
-          </a:p>
-        </p:txBody>
-      </p:sp>
-      <p:sp>
-        <p:nvSpPr>
-          <p:cNvPr id="6" name="文本框 5"/>
-          <p:cNvSpPr txBox="1"/>
-          <p:nvPr/>
-        </p:nvSpPr>
-        <p:spPr>
-          <a:xfrm>
-            <a:off x="1024759" y="3972910"/>
-            <a:ext cx="6148552" cy="1015663"/>
-          </a:xfrm>
-          <a:prstGeom prst="rect">
-            <a:avLst/>
-          </a:prstGeom>
-          <a:noFill/>
-        </p:spPr>
-        <p:txBody>
-          <a:bodyPr wrap="square" rtlCol="0">
-            <a:spAutoFit/>
-          </a:bodyPr>
-          <a:lstStyle/>
-          <a:p>
-            <a:r>
-              <a:rPr kumimoji="1" lang="en-US" altLang="zh-CN" sz="2000" b="1" dirty="0" err="1"/>
-              <a:t>var</a:t>
-            </a:r>
-            <a:r>
-              <a:rPr kumimoji="1" lang="en-US" altLang="zh-CN" sz="2000" b="1" dirty="0"/>
-              <a:t> engine = require('./</a:t>
-            </a:r>
-            <a:r>
-              <a:rPr kumimoji="1" lang="en-US" altLang="zh-CN" sz="2000" b="1" dirty="0" err="1"/>
-              <a:t>truman</a:t>
-            </a:r>
-            <a:r>
-              <a:rPr kumimoji="1" lang="en-US" altLang="zh-CN" sz="2000" b="1" dirty="0"/>
-              <a:t>-engine</a:t>
-            </a:r>
-            <a:r>
-              <a:rPr kumimoji="1" lang="en-US" altLang="zh-CN" sz="2000" b="1" dirty="0" smtClean="0"/>
-              <a:t>');</a:t>
-            </a:r>
-          </a:p>
-          <a:p>
-            <a:r>
-              <a:rPr kumimoji="1" lang="en-US" altLang="zh-CN" sz="2000" b="1" dirty="0" err="1" smtClean="0"/>
-              <a:t>engine.Initialize</a:t>
-            </a:r>
-            <a:r>
-              <a:rPr kumimoji="1" lang="en-US" altLang="zh-CN" sz="2000" b="1" dirty="0" smtClean="0"/>
-              <a:t>();</a:t>
-            </a:r>
-          </a:p>
-          <a:p>
-            <a:r>
-              <a:rPr kumimoji="1" lang="en-US" altLang="zh-CN" sz="2000" b="1" dirty="0" err="1" smtClean="0"/>
-              <a:t>engine.Run</a:t>
-            </a:r>
-            <a:r>
-              <a:rPr kumimoji="1" lang="en-US" altLang="zh-CN" sz="2000" b="1" dirty="0"/>
-              <a:t>();</a:t>
-            </a:r>
-            <a:endParaRPr kumimoji="1" lang="zh-CN" altLang="en-US" sz="2000" b="1" dirty="0"/>
           </a:p>
         </p:txBody>
       </p:sp>
     </p:spTree>
     <p:extLst>
       <p:ext uri="{BB962C8B-B14F-4D97-AF65-F5344CB8AC3E}">
-        <p14:creationId xmlns:p14="http://schemas.microsoft.com/office/powerpoint/2010/main" val="1072548935"/>
+        <p14:creationId xmlns:p14="http://schemas.microsoft.com/office/powerpoint/2010/main" val="751240058"/>
       </p:ext>
     </p:extLst>
   </p:cSld>
@@ -9400,64 +9506,157 @@
           <a:lstStyle/>
           <a:p>
             <a:r>
+              <a:rPr kumimoji="1" lang="zh-CN" altLang="en-US" dirty="0" smtClean="0"/>
+              <a:t>生成</a:t>
+            </a:r>
+            <a:r>
+              <a:rPr kumimoji="1" lang="en-US" altLang="zh-CN" dirty="0" err="1" smtClean="0"/>
+              <a:t>javascript</a:t>
+            </a:r>
+            <a:endParaRPr kumimoji="1" lang="zh-CN" altLang="en-US" dirty="0"/>
+          </a:p>
+        </p:txBody>
+      </p:sp>
+      <p:sp>
+        <p:nvSpPr>
+          <p:cNvPr id="3" name="内容占位符 2"/>
+          <p:cNvSpPr>
+            <a:spLocks noGrp="1"/>
+          </p:cNvSpPr>
+          <p:nvPr>
+            <p:ph idx="1"/>
+          </p:nvPr>
+        </p:nvSpPr>
+        <p:spPr/>
+        <p:txBody>
+          <a:bodyPr>
+            <a:normAutofit/>
+          </a:bodyPr>
+          <a:lstStyle/>
+          <a:p>
+            <a:r>
+              <a:rPr kumimoji="1" lang="zh-CN" altLang="en-US" dirty="0" smtClean="0"/>
+              <a:t>官方说支持</a:t>
+            </a:r>
+            <a:r>
+              <a:rPr kumimoji="1" lang="en-US" altLang="zh-CN" dirty="0" err="1" smtClean="0"/>
+              <a:t>c++</a:t>
+            </a:r>
+            <a:r>
+              <a:rPr kumimoji="1" lang="zh-CN" altLang="en-US" dirty="0" smtClean="0"/>
+              <a:t>成成</a:t>
+            </a:r>
+            <a:r>
+              <a:rPr kumimoji="1" lang="en-US" altLang="zh-CN" dirty="0" err="1" smtClean="0"/>
+              <a:t>javascript</a:t>
+            </a:r>
+            <a:endParaRPr kumimoji="1" lang="en-US" altLang="zh-CN" dirty="0" smtClean="0"/>
+          </a:p>
+          <a:p>
+            <a:r>
+              <a:rPr kumimoji="1" lang="zh-CN" altLang="en-US" dirty="0" smtClean="0"/>
+              <a:t>可以将</a:t>
+            </a:r>
+            <a:r>
+              <a:rPr kumimoji="1" lang="en-US" altLang="zh-CN" dirty="0" err="1" smtClean="0"/>
+              <a:t>c++</a:t>
+            </a:r>
+            <a:r>
+              <a:rPr kumimoji="1" lang="zh-CN" altLang="en-US" dirty="0" smtClean="0"/>
+              <a:t>库编译为</a:t>
+            </a:r>
+            <a:r>
+              <a:rPr kumimoji="1" lang="en-US" altLang="zh-CN" dirty="0" err="1" smtClean="0"/>
+              <a:t>node.js</a:t>
+            </a:r>
+            <a:r>
+              <a:rPr kumimoji="1" lang="zh-CN" altLang="en-US" dirty="0" smtClean="0"/>
+              <a:t>的</a:t>
+            </a:r>
+            <a:r>
               <a:rPr kumimoji="1" lang="en-US" altLang="zh-CN" dirty="0" smtClean="0"/>
-              <a:t>Demo</a:t>
-            </a:r>
+              <a:t>module</a:t>
+            </a:r>
+          </a:p>
+          <a:p>
             <a:r>
               <a:rPr kumimoji="1" lang="zh-CN" altLang="en-US" dirty="0" smtClean="0"/>
-              <a:t> </a:t>
-            </a:r>
-            <a:r>
-              <a:rPr kumimoji="1" lang="en-US" altLang="zh-CN" dirty="0" smtClean="0"/>
-              <a:t>code</a:t>
-            </a:r>
-            <a:endParaRPr kumimoji="1" lang="zh-CN" altLang="en-US" dirty="0"/>
-          </a:p>
-        </p:txBody>
-      </p:sp>
-      <p:sp>
-        <p:nvSpPr>
-          <p:cNvPr id="3" name="内容占位符 2"/>
-          <p:cNvSpPr>
-            <a:spLocks noGrp="1"/>
-          </p:cNvSpPr>
-          <p:nvPr>
-            <p:ph idx="1"/>
-          </p:nvPr>
-        </p:nvSpPr>
-        <p:spPr/>
-        <p:txBody>
-          <a:bodyPr/>
+              <a:t>通过以下方法调用：</a:t>
+            </a:r>
+            <a:endParaRPr kumimoji="1" lang="en-US" altLang="zh-CN" dirty="0" smtClean="0"/>
+          </a:p>
+        </p:txBody>
+      </p:sp>
+      <p:sp>
+        <p:nvSpPr>
+          <p:cNvPr id="6" name="文本框 5"/>
+          <p:cNvSpPr txBox="1"/>
+          <p:nvPr/>
+        </p:nvSpPr>
+        <p:spPr>
+          <a:xfrm>
+            <a:off x="1024759" y="3972910"/>
+            <a:ext cx="6148552" cy="1015663"/>
+          </a:xfrm>
+          <a:prstGeom prst="rect">
+            <a:avLst/>
+          </a:prstGeom>
+          <a:noFill/>
+        </p:spPr>
+        <p:txBody>
+          <a:bodyPr wrap="square" rtlCol="0">
+            <a:spAutoFit/>
+          </a:bodyPr>
           <a:lstStyle/>
           <a:p>
             <a:r>
-              <a:rPr kumimoji="1" lang="en-US" altLang="zh-CN" dirty="0"/>
-              <a:t>https://</a:t>
-            </a:r>
-            <a:r>
-              <a:rPr kumimoji="1" lang="en-US" altLang="zh-CN" dirty="0" err="1"/>
-              <a:t>github.com</a:t>
-            </a:r>
-            <a:r>
-              <a:rPr kumimoji="1" lang="en-US" altLang="zh-CN" dirty="0"/>
-              <a:t>/</a:t>
-            </a:r>
-            <a:r>
-              <a:rPr kumimoji="1" lang="en-US" altLang="zh-CN" dirty="0" err="1"/>
-              <a:t>zhangpengyf</a:t>
-            </a:r>
-            <a:r>
-              <a:rPr kumimoji="1" lang="en-US" altLang="zh-CN" dirty="0"/>
-              <a:t>/swig-demo</a:t>
-            </a:r>
-            <a:endParaRPr kumimoji="1" lang="zh-CN" altLang="en-US" dirty="0"/>
+              <a:rPr kumimoji="1" lang="en-US" altLang="zh-CN" sz="2000" b="1" dirty="0" err="1"/>
+              <a:t>var</a:t>
+            </a:r>
+            <a:r>
+              <a:rPr kumimoji="1" lang="en-US" altLang="zh-CN" sz="2000" b="1" dirty="0"/>
+              <a:t> engine = require('./</a:t>
+            </a:r>
+            <a:r>
+              <a:rPr kumimoji="1" lang="en-US" altLang="zh-CN" sz="2000" b="1" dirty="0" err="1"/>
+              <a:t>truman</a:t>
+            </a:r>
+            <a:r>
+              <a:rPr kumimoji="1" lang="en-US" altLang="zh-CN" sz="2000" b="1" dirty="0"/>
+              <a:t>-engine</a:t>
+            </a:r>
+            <a:r>
+              <a:rPr kumimoji="1" lang="en-US" altLang="zh-CN" sz="2000" b="1" dirty="0" smtClean="0"/>
+              <a:t>');</a:t>
+            </a:r>
+          </a:p>
+          <a:p>
+            <a:r>
+              <a:rPr kumimoji="1" lang="en-US" altLang="zh-CN" sz="2000" b="1" dirty="0" err="1" smtClean="0"/>
+              <a:t>engine.Initialize</a:t>
+            </a:r>
+            <a:r>
+              <a:rPr kumimoji="1" lang="en-US" altLang="zh-CN" sz="2000" b="1" dirty="0" smtClean="0"/>
+              <a:t>();</a:t>
+            </a:r>
+          </a:p>
+          <a:p>
+            <a:r>
+              <a:rPr kumimoji="1" lang="en-US" altLang="zh-CN" sz="2000" b="1" dirty="0" err="1" smtClean="0"/>
+              <a:t>engine.Run</a:t>
+            </a:r>
+            <a:r>
+              <a:rPr kumimoji="1" lang="en-US" altLang="zh-CN" sz="2000" b="1" dirty="0"/>
+              <a:t>();</a:t>
+            </a:r>
+            <a:endParaRPr kumimoji="1" lang="zh-CN" altLang="en-US" sz="2000" b="1" dirty="0"/>
           </a:p>
         </p:txBody>
       </p:sp>
     </p:spTree>
     <p:extLst>
       <p:ext uri="{BB962C8B-B14F-4D97-AF65-F5344CB8AC3E}">
-        <p14:creationId xmlns:p14="http://schemas.microsoft.com/office/powerpoint/2010/main" val="1315228141"/>
+        <p14:creationId xmlns:p14="http://schemas.microsoft.com/office/powerpoint/2010/main" val="1072548935"/>
       </p:ext>
     </p:extLst>
   </p:cSld>

--- a/swig技术分享.pptx
+++ b/swig技术分享.pptx
@@ -8483,9 +8483,16 @@
             <a:endParaRPr lang="en-US" altLang="zh-CN" dirty="0" smtClean="0"/>
           </a:p>
           <a:p>
+            <a:endParaRPr lang="en-US" altLang="zh-CN" dirty="0" smtClean="0"/>
+          </a:p>
+          <a:p>
             <a:r>
               <a:rPr lang="zh-CN" altLang="en-US" dirty="0" smtClean="0"/>
-              <a:t>目的是让高级语言能够调用</a:t>
+              <a:t>目的</a:t>
+            </a:r>
+            <a:r>
+              <a:rPr lang="zh-CN" altLang="en-US" dirty="0" smtClean="0"/>
+              <a:t>是让高级语言能够调用</a:t>
             </a:r>
             <a:r>
               <a:rPr lang="en-US" altLang="zh-CN" dirty="0" err="1" smtClean="0"/>
@@ -8611,9 +8618,16 @@
             </a:r>
           </a:p>
           <a:p>
+            <a:endParaRPr kumimoji="1" lang="en-US" altLang="zh-CN" dirty="0" smtClean="0"/>
+          </a:p>
+          <a:p>
             <a:r>
               <a:rPr kumimoji="1" lang="zh-CN" altLang="en-US" dirty="0" smtClean="0"/>
-              <a:t>和一些非脚本语言：</a:t>
+              <a:t>一些</a:t>
+            </a:r>
+            <a:r>
+              <a:rPr kumimoji="1" lang="zh-CN" altLang="en-US" dirty="0" smtClean="0"/>
+              <a:t>非脚本语言：</a:t>
             </a:r>
             <a:endParaRPr kumimoji="1" lang="en-US" altLang="zh-CN" dirty="0" smtClean="0"/>
           </a:p>
@@ -9646,7 +9660,7 @@
               <a:t>engine.Run</a:t>
             </a:r>
             <a:r>
-              <a:rPr kumimoji="1" lang="en-US" altLang="zh-CN" sz="2000" b="1" dirty="0"/>
+              <a:rPr kumimoji="1" lang="en-US" altLang="zh-CN" sz="2000" b="1" dirty="0" smtClean="0"/>
               <a:t>();</a:t>
             </a:r>
             <a:endParaRPr kumimoji="1" lang="zh-CN" altLang="en-US" sz="2000" b="1" dirty="0"/>

--- a/swig技术分享.pptx
+++ b/swig技术分享.pptx
@@ -5,7 +5,7 @@
     <p:sldMasterId id="2147483648" r:id="rId1"/>
   </p:sldMasterIdLst>
   <p:notesMasterIdLst>
-    <p:notesMasterId r:id="rId12"/>
+    <p:notesMasterId r:id="rId14"/>
   </p:notesMasterIdLst>
   <p:sldIdLst>
     <p:sldId id="256" r:id="rId2"/>
@@ -16,8 +16,10 @@
     <p:sldId id="261" r:id="rId7"/>
     <p:sldId id="258" r:id="rId8"/>
     <p:sldId id="260" r:id="rId9"/>
-    <p:sldId id="263" r:id="rId10"/>
-    <p:sldId id="264" r:id="rId11"/>
+    <p:sldId id="267" r:id="rId10"/>
+    <p:sldId id="266" r:id="rId11"/>
+    <p:sldId id="263" r:id="rId12"/>
+    <p:sldId id="264" r:id="rId13"/>
   </p:sldIdLst>
   <p:sldSz cx="12192000" cy="6858000"/>
   <p:notesSz cx="6858000" cy="9144000"/>
@@ -8332,6 +8334,293 @@
           <a:p>
             <a:r>
               <a:rPr kumimoji="1" lang="en-US" altLang="zh-CN" dirty="0" smtClean="0"/>
+              <a:t>Android</a:t>
+            </a:r>
+            <a:r>
+              <a:rPr kumimoji="1" lang="zh-CN" altLang="en-US" dirty="0" smtClean="0"/>
+              <a:t>调用的例子</a:t>
+            </a:r>
+            <a:endParaRPr kumimoji="1" lang="zh-CN" altLang="en-US" dirty="0"/>
+          </a:p>
+        </p:txBody>
+      </p:sp>
+      <p:pic>
+        <p:nvPicPr>
+          <p:cNvPr id="4" name="内容占位符 3"/>
+          <p:cNvPicPr>
+            <a:picLocks noGrp="1" noChangeAspect="1"/>
+          </p:cNvPicPr>
+          <p:nvPr>
+            <p:ph idx="1"/>
+          </p:nvPr>
+        </p:nvPicPr>
+        <p:blipFill>
+          <a:blip r:embed="rId2">
+            <a:extLst>
+              <a:ext uri="{28A0092B-C50C-407E-A947-70E740481C1C}">
+                <a14:useLocalDpi xmlns:a14="http://schemas.microsoft.com/office/drawing/2010/main" val="0"/>
+              </a:ext>
+            </a:extLst>
+          </a:blip>
+          <a:stretch>
+            <a:fillRect/>
+          </a:stretch>
+        </p:blipFill>
+        <p:spPr>
+          <a:xfrm>
+            <a:off x="858981" y="2212109"/>
+            <a:ext cx="9060873" cy="4521200"/>
+          </a:xfrm>
+        </p:spPr>
+      </p:pic>
+    </p:spTree>
+    <p:extLst>
+      <p:ext uri="{BB962C8B-B14F-4D97-AF65-F5344CB8AC3E}">
+        <p14:creationId xmlns:p14="http://schemas.microsoft.com/office/powerpoint/2010/main" val="573113901"/>
+      </p:ext>
+    </p:extLst>
+  </p:cSld>
+  <p:clrMapOvr>
+    <a:masterClrMapping/>
+  </p:clrMapOvr>
+</p:sld>
+</file>
+
+<file path=ppt/slides/slide11.xml><?xml version="1.0" encoding="utf-8"?>
+<p:sld xmlns:a="http://schemas.openxmlformats.org/drawingml/2006/main" xmlns:r="http://schemas.openxmlformats.org/officeDocument/2006/relationships" xmlns:p="http://schemas.openxmlformats.org/presentationml/2006/main">
+  <p:cSld>
+    <p:spTree>
+      <p:nvGrpSpPr>
+        <p:cNvPr id="1" name=""/>
+        <p:cNvGrpSpPr/>
+        <p:nvPr/>
+      </p:nvGrpSpPr>
+      <p:grpSpPr>
+        <a:xfrm>
+          <a:off x="0" y="0"/>
+          <a:ext cx="0" cy="0"/>
+          <a:chOff x="0" y="0"/>
+          <a:chExt cx="0" cy="0"/>
+        </a:xfrm>
+      </p:grpSpPr>
+      <p:sp>
+        <p:nvSpPr>
+          <p:cNvPr id="2" name="标题 1"/>
+          <p:cNvSpPr>
+            <a:spLocks noGrp="1"/>
+          </p:cNvSpPr>
+          <p:nvPr>
+            <p:ph type="title"/>
+          </p:nvPr>
+        </p:nvSpPr>
+        <p:spPr/>
+        <p:txBody>
+          <a:bodyPr/>
+          <a:lstStyle/>
+          <a:p>
+            <a:r>
+              <a:rPr kumimoji="1" lang="zh-CN" altLang="en-US" dirty="0" smtClean="0"/>
+              <a:t>生成</a:t>
+            </a:r>
+            <a:r>
+              <a:rPr kumimoji="1" lang="en-US" altLang="zh-CN" dirty="0" err="1" smtClean="0"/>
+              <a:t>javascript</a:t>
+            </a:r>
+            <a:endParaRPr kumimoji="1" lang="zh-CN" altLang="en-US" dirty="0"/>
+          </a:p>
+        </p:txBody>
+      </p:sp>
+      <p:sp>
+        <p:nvSpPr>
+          <p:cNvPr id="3" name="内容占位符 2"/>
+          <p:cNvSpPr>
+            <a:spLocks noGrp="1"/>
+          </p:cNvSpPr>
+          <p:nvPr>
+            <p:ph idx="1"/>
+          </p:nvPr>
+        </p:nvSpPr>
+        <p:spPr/>
+        <p:txBody>
+          <a:bodyPr>
+            <a:normAutofit/>
+          </a:bodyPr>
+          <a:lstStyle/>
+          <a:p>
+            <a:r>
+              <a:rPr kumimoji="1" lang="zh-CN" altLang="en-US" dirty="0" smtClean="0"/>
+              <a:t>官方说支持</a:t>
+            </a:r>
+            <a:r>
+              <a:rPr kumimoji="1" lang="en-US" altLang="zh-CN" dirty="0" err="1" smtClean="0"/>
+              <a:t>c++</a:t>
+            </a:r>
+            <a:r>
+              <a:rPr kumimoji="1" lang="zh-CN" altLang="en-US" dirty="0" smtClean="0"/>
+              <a:t>成成</a:t>
+            </a:r>
+            <a:r>
+              <a:rPr kumimoji="1" lang="en-US" altLang="zh-CN" dirty="0" err="1" smtClean="0"/>
+              <a:t>javascript</a:t>
+            </a:r>
+            <a:r>
+              <a:rPr kumimoji="1" lang="en-US" altLang="zh-CN" dirty="0" smtClean="0"/>
+              <a:t>,</a:t>
+            </a:r>
+            <a:r>
+              <a:rPr kumimoji="1" lang="zh-CN" altLang="en-US" dirty="0" smtClean="0"/>
+              <a:t>但还没有验证过</a:t>
+            </a:r>
+            <a:endParaRPr kumimoji="1" lang="en-US" altLang="zh-CN" dirty="0" smtClean="0"/>
+          </a:p>
+          <a:p>
+            <a:r>
+              <a:rPr kumimoji="1" lang="zh-CN" altLang="en-US" dirty="0" smtClean="0"/>
+              <a:t>可以将</a:t>
+            </a:r>
+            <a:r>
+              <a:rPr kumimoji="1" lang="en-US" altLang="zh-CN" dirty="0" err="1" smtClean="0"/>
+              <a:t>c++</a:t>
+            </a:r>
+            <a:r>
+              <a:rPr kumimoji="1" lang="zh-CN" altLang="en-US" dirty="0" smtClean="0"/>
+              <a:t>库编译为</a:t>
+            </a:r>
+            <a:r>
+              <a:rPr kumimoji="1" lang="en-US" altLang="zh-CN" dirty="0" err="1" smtClean="0"/>
+              <a:t>node.js</a:t>
+            </a:r>
+            <a:r>
+              <a:rPr kumimoji="1" lang="zh-CN" altLang="en-US" dirty="0" smtClean="0"/>
+              <a:t>的</a:t>
+            </a:r>
+            <a:r>
+              <a:rPr kumimoji="1" lang="en-US" altLang="zh-CN" dirty="0" smtClean="0"/>
+              <a:t>module</a:t>
+            </a:r>
+          </a:p>
+          <a:p>
+            <a:r>
+              <a:rPr kumimoji="1" lang="zh-CN" altLang="en-US" dirty="0" smtClean="0"/>
+              <a:t>通过以下方法调用：</a:t>
+            </a:r>
+            <a:endParaRPr kumimoji="1" lang="en-US" altLang="zh-CN" dirty="0" smtClean="0"/>
+          </a:p>
+        </p:txBody>
+      </p:sp>
+      <p:sp>
+        <p:nvSpPr>
+          <p:cNvPr id="6" name="文本框 5"/>
+          <p:cNvSpPr txBox="1"/>
+          <p:nvPr/>
+        </p:nvSpPr>
+        <p:spPr>
+          <a:xfrm>
+            <a:off x="1024759" y="3972910"/>
+            <a:ext cx="6148552" cy="1015663"/>
+          </a:xfrm>
+          <a:prstGeom prst="rect">
+            <a:avLst/>
+          </a:prstGeom>
+          <a:noFill/>
+        </p:spPr>
+        <p:txBody>
+          <a:bodyPr wrap="square" rtlCol="0">
+            <a:spAutoFit/>
+          </a:bodyPr>
+          <a:lstStyle/>
+          <a:p>
+            <a:r>
+              <a:rPr kumimoji="1" lang="en-US" altLang="zh-CN" sz="2000" b="1" dirty="0" err="1"/>
+              <a:t>var</a:t>
+            </a:r>
+            <a:r>
+              <a:rPr kumimoji="1" lang="en-US" altLang="zh-CN" sz="2000" b="1" dirty="0"/>
+              <a:t> engine = require('./</a:t>
+            </a:r>
+            <a:r>
+              <a:rPr kumimoji="1" lang="en-US" altLang="zh-CN" sz="2000" b="1" dirty="0" err="1"/>
+              <a:t>truman</a:t>
+            </a:r>
+            <a:r>
+              <a:rPr kumimoji="1" lang="en-US" altLang="zh-CN" sz="2000" b="1" dirty="0"/>
+              <a:t>-engine</a:t>
+            </a:r>
+            <a:r>
+              <a:rPr kumimoji="1" lang="en-US" altLang="zh-CN" sz="2000" b="1" dirty="0" smtClean="0"/>
+              <a:t>');</a:t>
+            </a:r>
+          </a:p>
+          <a:p>
+            <a:r>
+              <a:rPr kumimoji="1" lang="en-US" altLang="zh-CN" sz="2000" b="1" dirty="0" err="1" smtClean="0"/>
+              <a:t>engine.Initialize</a:t>
+            </a:r>
+            <a:r>
+              <a:rPr kumimoji="1" lang="en-US" altLang="zh-CN" sz="2000" b="1" dirty="0" smtClean="0"/>
+              <a:t>();</a:t>
+            </a:r>
+          </a:p>
+          <a:p>
+            <a:r>
+              <a:rPr kumimoji="1" lang="en-US" altLang="zh-CN" sz="2000" b="1" dirty="0" err="1" smtClean="0"/>
+              <a:t>engine.Run</a:t>
+            </a:r>
+            <a:r>
+              <a:rPr kumimoji="1" lang="en-US" altLang="zh-CN" sz="2000" b="1" dirty="0" smtClean="0"/>
+              <a:t>();</a:t>
+            </a:r>
+            <a:endParaRPr kumimoji="1" lang="zh-CN" altLang="en-US" sz="2000" b="1" dirty="0"/>
+          </a:p>
+        </p:txBody>
+      </p:sp>
+    </p:spTree>
+    <p:extLst>
+      <p:ext uri="{BB962C8B-B14F-4D97-AF65-F5344CB8AC3E}">
+        <p14:creationId xmlns:p14="http://schemas.microsoft.com/office/powerpoint/2010/main" val="1072548935"/>
+      </p:ext>
+    </p:extLst>
+  </p:cSld>
+  <p:clrMapOvr>
+    <a:masterClrMapping/>
+  </p:clrMapOvr>
+</p:sld>
+</file>
+
+<file path=ppt/slides/slide12.xml><?xml version="1.0" encoding="utf-8"?>
+<p:sld xmlns:a="http://schemas.openxmlformats.org/drawingml/2006/main" xmlns:r="http://schemas.openxmlformats.org/officeDocument/2006/relationships" xmlns:p="http://schemas.openxmlformats.org/presentationml/2006/main">
+  <p:cSld>
+    <p:spTree>
+      <p:nvGrpSpPr>
+        <p:cNvPr id="1" name=""/>
+        <p:cNvGrpSpPr/>
+        <p:nvPr/>
+      </p:nvGrpSpPr>
+      <p:grpSpPr>
+        <a:xfrm>
+          <a:off x="0" y="0"/>
+          <a:ext cx="0" cy="0"/>
+          <a:chOff x="0" y="0"/>
+          <a:chExt cx="0" cy="0"/>
+        </a:xfrm>
+      </p:grpSpPr>
+      <p:sp>
+        <p:nvSpPr>
+          <p:cNvPr id="2" name="标题 1"/>
+          <p:cNvSpPr>
+            <a:spLocks noGrp="1"/>
+          </p:cNvSpPr>
+          <p:nvPr>
+            <p:ph type="title"/>
+          </p:nvPr>
+        </p:nvSpPr>
+        <p:spPr/>
+        <p:txBody>
+          <a:bodyPr/>
+          <a:lstStyle/>
+          <a:p>
+            <a:r>
+              <a:rPr kumimoji="1" lang="en-US" altLang="zh-CN" dirty="0" smtClean="0"/>
               <a:t>Demo</a:t>
             </a:r>
             <a:r>
@@ -8488,11 +8777,7 @@
           <a:p>
             <a:r>
               <a:rPr lang="zh-CN" altLang="en-US" dirty="0" smtClean="0"/>
-              <a:t>目的</a:t>
-            </a:r>
-            <a:r>
-              <a:rPr lang="zh-CN" altLang="en-US" dirty="0" smtClean="0"/>
-              <a:t>是让高级语言能够调用</a:t>
+              <a:t>目的是让高级语言能够调用</a:t>
             </a:r>
             <a:r>
               <a:rPr lang="en-US" altLang="zh-CN" dirty="0" err="1" smtClean="0"/>
@@ -8623,11 +8908,7 @@
           <a:p>
             <a:r>
               <a:rPr kumimoji="1" lang="zh-CN" altLang="en-US" dirty="0" smtClean="0"/>
-              <a:t>一些</a:t>
-            </a:r>
-            <a:r>
-              <a:rPr kumimoji="1" lang="zh-CN" altLang="en-US" dirty="0" smtClean="0"/>
-              <a:t>非脚本语言：</a:t>
+              <a:t>一些非脚本语言：</a:t>
             </a:r>
             <a:endParaRPr kumimoji="1" lang="en-US" altLang="zh-CN" dirty="0" smtClean="0"/>
           </a:p>
@@ -9467,10 +9748,28 @@
               <a:t>库开发</a:t>
             </a:r>
             <a:r>
-              <a:rPr kumimoji="1" lang="en-US" altLang="zh-CN" smtClean="0"/>
+              <a:rPr kumimoji="1" lang="en-US" altLang="zh-CN" dirty="0" smtClean="0"/>
               <a:t>app</a:t>
             </a:r>
-            <a:endParaRPr kumimoji="1" lang="zh-CN" altLang="en-US" dirty="0"/>
+          </a:p>
+          <a:p>
+            <a:r>
+              <a:rPr kumimoji="1" lang="en-US" altLang="zh-CN" dirty="0" smtClean="0"/>
+              <a:t>android</a:t>
+            </a:r>
+            <a:r>
+              <a:rPr kumimoji="1" lang="zh-CN" altLang="en-US" dirty="0" smtClean="0"/>
+              <a:t>的</a:t>
+            </a:r>
+            <a:r>
+              <a:rPr kumimoji="1" lang="en-US" altLang="zh-CN" dirty="0" smtClean="0"/>
+              <a:t>demo</a:t>
+            </a:r>
+            <a:r>
+              <a:rPr kumimoji="1" lang="zh-CN" altLang="en-US" dirty="0" smtClean="0"/>
+              <a:t>没有写</a:t>
+            </a:r>
+            <a:endParaRPr kumimoji="1" lang="en-US" altLang="zh-CN" dirty="0"/>
           </a:p>
         </p:txBody>
       </p:sp>
@@ -9520,157 +9819,58 @@
           <a:lstStyle/>
           <a:p>
             <a:r>
+              <a:rPr kumimoji="1" lang="en-US" altLang="zh-CN" dirty="0" smtClean="0"/>
+              <a:t>C++</a:t>
+            </a:r>
+            <a:r>
               <a:rPr kumimoji="1" lang="zh-CN" altLang="en-US" dirty="0" smtClean="0"/>
-              <a:t>生成</a:t>
+              <a:t> </a:t>
             </a:r>
             <a:r>
               <a:rPr kumimoji="1" lang="en-US" altLang="zh-CN" dirty="0" err="1" smtClean="0"/>
-              <a:t>javascript</a:t>
+              <a:t>sdk</a:t>
+            </a:r>
+            <a:r>
+              <a:rPr kumimoji="1" lang="zh-CN" altLang="en-US" dirty="0" smtClean="0"/>
+              <a:t>的头文件例子</a:t>
             </a:r>
             <a:endParaRPr kumimoji="1" lang="zh-CN" altLang="en-US" dirty="0"/>
           </a:p>
         </p:txBody>
       </p:sp>
-      <p:sp>
-        <p:nvSpPr>
-          <p:cNvPr id="3" name="内容占位符 2"/>
-          <p:cNvSpPr>
-            <a:spLocks noGrp="1"/>
-          </p:cNvSpPr>
+      <p:pic>
+        <p:nvPicPr>
+          <p:cNvPr id="4" name="内容占位符 3"/>
+          <p:cNvPicPr>
+            <a:picLocks noGrp="1" noChangeAspect="1"/>
+          </p:cNvPicPr>
           <p:nvPr>
             <p:ph idx="1"/>
           </p:nvPr>
-        </p:nvSpPr>
-        <p:spPr/>
-        <p:txBody>
-          <a:bodyPr>
-            <a:normAutofit/>
-          </a:bodyPr>
-          <a:lstStyle/>
-          <a:p>
-            <a:r>
-              <a:rPr kumimoji="1" lang="zh-CN" altLang="en-US" dirty="0" smtClean="0"/>
-              <a:t>官方说支持</a:t>
-            </a:r>
-            <a:r>
-              <a:rPr kumimoji="1" lang="en-US" altLang="zh-CN" dirty="0" err="1" smtClean="0"/>
-              <a:t>c++</a:t>
-            </a:r>
-            <a:r>
-              <a:rPr kumimoji="1" lang="zh-CN" altLang="en-US" dirty="0" smtClean="0"/>
-              <a:t>成成</a:t>
-            </a:r>
-            <a:r>
-              <a:rPr kumimoji="1" lang="en-US" altLang="zh-CN" dirty="0" err="1" smtClean="0"/>
-              <a:t>javascript</a:t>
-            </a:r>
-            <a:endParaRPr kumimoji="1" lang="en-US" altLang="zh-CN" dirty="0" smtClean="0"/>
-          </a:p>
-          <a:p>
-            <a:r>
-              <a:rPr kumimoji="1" lang="zh-CN" altLang="en-US" dirty="0" smtClean="0"/>
-              <a:t>可以将</a:t>
-            </a:r>
-            <a:r>
-              <a:rPr kumimoji="1" lang="en-US" altLang="zh-CN" dirty="0" err="1" smtClean="0"/>
-              <a:t>c++</a:t>
-            </a:r>
-            <a:r>
-              <a:rPr kumimoji="1" lang="zh-CN" altLang="en-US" dirty="0" smtClean="0"/>
-              <a:t>库编译为</a:t>
-            </a:r>
-            <a:r>
-              <a:rPr kumimoji="1" lang="en-US" altLang="zh-CN" dirty="0" err="1" smtClean="0"/>
-              <a:t>node.js</a:t>
-            </a:r>
-            <a:r>
-              <a:rPr kumimoji="1" lang="zh-CN" altLang="en-US" dirty="0" smtClean="0"/>
-              <a:t>的</a:t>
-            </a:r>
-            <a:r>
-              <a:rPr kumimoji="1" lang="en-US" altLang="zh-CN" dirty="0" smtClean="0"/>
-              <a:t>module</a:t>
-            </a:r>
-          </a:p>
-          <a:p>
-            <a:r>
-              <a:rPr kumimoji="1" lang="zh-CN" altLang="en-US" dirty="0" smtClean="0"/>
-              <a:t>通过以下方法调用：</a:t>
-            </a:r>
-            <a:endParaRPr kumimoji="1" lang="en-US" altLang="zh-CN" dirty="0" smtClean="0"/>
-          </a:p>
-        </p:txBody>
-      </p:sp>
-      <p:sp>
-        <p:nvSpPr>
-          <p:cNvPr id="6" name="文本框 5"/>
-          <p:cNvSpPr txBox="1"/>
-          <p:nvPr/>
-        </p:nvSpPr>
-        <p:spPr>
-          <a:xfrm>
-            <a:off x="1024759" y="3972910"/>
-            <a:ext cx="6148552" cy="1015663"/>
-          </a:xfrm>
-          <a:prstGeom prst="rect">
-            <a:avLst/>
-          </a:prstGeom>
-          <a:noFill/>
-        </p:spPr>
-        <p:txBody>
-          <a:bodyPr wrap="square" rtlCol="0">
-            <a:spAutoFit/>
-          </a:bodyPr>
-          <a:lstStyle/>
-          <a:p>
-            <a:r>
-              <a:rPr kumimoji="1" lang="en-US" altLang="zh-CN" sz="2000" b="1" dirty="0" err="1"/>
-              <a:t>var</a:t>
-            </a:r>
-            <a:r>
-              <a:rPr kumimoji="1" lang="en-US" altLang="zh-CN" sz="2000" b="1" dirty="0"/>
-              <a:t> engine = require('./</a:t>
-            </a:r>
-            <a:r>
-              <a:rPr kumimoji="1" lang="en-US" altLang="zh-CN" sz="2000" b="1" dirty="0" err="1"/>
-              <a:t>truman</a:t>
-            </a:r>
-            <a:r>
-              <a:rPr kumimoji="1" lang="en-US" altLang="zh-CN" sz="2000" b="1" dirty="0"/>
-              <a:t>-engine</a:t>
-            </a:r>
-            <a:r>
-              <a:rPr kumimoji="1" lang="en-US" altLang="zh-CN" sz="2000" b="1" dirty="0" smtClean="0"/>
-              <a:t>');</a:t>
-            </a:r>
-          </a:p>
-          <a:p>
-            <a:r>
-              <a:rPr kumimoji="1" lang="en-US" altLang="zh-CN" sz="2000" b="1" dirty="0" err="1" smtClean="0"/>
-              <a:t>engine.Initialize</a:t>
-            </a:r>
-            <a:r>
-              <a:rPr kumimoji="1" lang="en-US" altLang="zh-CN" sz="2000" b="1" dirty="0" smtClean="0"/>
-              <a:t>();</a:t>
-            </a:r>
-          </a:p>
-          <a:p>
-            <a:r>
-              <a:rPr kumimoji="1" lang="en-US" altLang="zh-CN" sz="2000" b="1" dirty="0" err="1" smtClean="0"/>
-              <a:t>engine.Run</a:t>
-            </a:r>
-            <a:r>
-              <a:rPr kumimoji="1" lang="en-US" altLang="zh-CN" sz="2000" b="1" dirty="0" smtClean="0"/>
-              <a:t>();</a:t>
-            </a:r>
-            <a:endParaRPr kumimoji="1" lang="zh-CN" altLang="en-US" sz="2000" b="1" dirty="0"/>
-          </a:p>
-        </p:txBody>
-      </p:sp>
+        </p:nvPicPr>
+        <p:blipFill>
+          <a:blip r:embed="rId2">
+            <a:extLst>
+              <a:ext uri="{28A0092B-C50C-407E-A947-70E740481C1C}">
+                <a14:useLocalDpi xmlns:a14="http://schemas.microsoft.com/office/drawing/2010/main" val="0"/>
+              </a:ext>
+            </a:extLst>
+          </a:blip>
+          <a:stretch>
+            <a:fillRect/>
+          </a:stretch>
+        </p:blipFill>
+        <p:spPr>
+          <a:xfrm>
+            <a:off x="526474" y="2008910"/>
+            <a:ext cx="9490362" cy="4724399"/>
+          </a:xfrm>
+        </p:spPr>
+      </p:pic>
     </p:spTree>
     <p:extLst>
       <p:ext uri="{BB962C8B-B14F-4D97-AF65-F5344CB8AC3E}">
-        <p14:creationId xmlns:p14="http://schemas.microsoft.com/office/powerpoint/2010/main" val="1072548935"/>
+        <p14:creationId xmlns:p14="http://schemas.microsoft.com/office/powerpoint/2010/main" val="1206228737"/>
       </p:ext>
     </p:extLst>
   </p:cSld>
